--- a/Phese_4_Project_Presentation.pptx
+++ b/Phese_4_Project_Presentation.pptx
@@ -215,7 +215,7 @@
           <a:p>
             <a:fld id="{94B66072-D473-0E4C-B170-BE59B689FB5C}" type="datetimeFigureOut">
               <a:rPr lang="en-US" smtClean="0"/>
-              <a:t>7/23/22</a:t>
+              <a:t>8/7/22</a:t>
             </a:fld>
             <a:endParaRPr lang="en-US"/>
           </a:p>
@@ -1217,7 +1217,7 @@
           <a:p>
             <a:fld id="{5DFED952-C32B-E94F-838A-26F8BA9D8D19}" type="datetimeFigureOut">
               <a:rPr lang="en-US" smtClean="0"/>
-              <a:t>7/23/22</a:t>
+              <a:t>8/7/22</a:t>
             </a:fld>
             <a:endParaRPr lang="en-US"/>
           </a:p>
@@ -1415,7 +1415,7 @@
           <a:p>
             <a:fld id="{5DFED952-C32B-E94F-838A-26F8BA9D8D19}" type="datetimeFigureOut">
               <a:rPr lang="en-US" smtClean="0"/>
-              <a:t>7/23/22</a:t>
+              <a:t>8/7/22</a:t>
             </a:fld>
             <a:endParaRPr lang="en-US"/>
           </a:p>
@@ -1623,7 +1623,7 @@
           <a:p>
             <a:fld id="{5DFED952-C32B-E94F-838A-26F8BA9D8D19}" type="datetimeFigureOut">
               <a:rPr lang="en-US" smtClean="0"/>
-              <a:t>7/23/22</a:t>
+              <a:t>8/7/22</a:t>
             </a:fld>
             <a:endParaRPr lang="en-US"/>
           </a:p>
@@ -1821,7 +1821,7 @@
           <a:p>
             <a:fld id="{5DFED952-C32B-E94F-838A-26F8BA9D8D19}" type="datetimeFigureOut">
               <a:rPr lang="en-US" smtClean="0"/>
-              <a:t>7/23/22</a:t>
+              <a:t>8/7/22</a:t>
             </a:fld>
             <a:endParaRPr lang="en-US"/>
           </a:p>
@@ -2096,7 +2096,7 @@
           <a:p>
             <a:fld id="{5DFED952-C32B-E94F-838A-26F8BA9D8D19}" type="datetimeFigureOut">
               <a:rPr lang="en-US" smtClean="0"/>
-              <a:t>7/23/22</a:t>
+              <a:t>8/7/22</a:t>
             </a:fld>
             <a:endParaRPr lang="en-US"/>
           </a:p>
@@ -2361,7 +2361,7 @@
           <a:p>
             <a:fld id="{5DFED952-C32B-E94F-838A-26F8BA9D8D19}" type="datetimeFigureOut">
               <a:rPr lang="en-US" smtClean="0"/>
-              <a:t>7/23/22</a:t>
+              <a:t>8/7/22</a:t>
             </a:fld>
             <a:endParaRPr lang="en-US"/>
           </a:p>
@@ -2773,7 +2773,7 @@
           <a:p>
             <a:fld id="{5DFED952-C32B-E94F-838A-26F8BA9D8D19}" type="datetimeFigureOut">
               <a:rPr lang="en-US" smtClean="0"/>
-              <a:t>7/23/22</a:t>
+              <a:t>8/7/22</a:t>
             </a:fld>
             <a:endParaRPr lang="en-US"/>
           </a:p>
@@ -2914,7 +2914,7 @@
           <a:p>
             <a:fld id="{5DFED952-C32B-E94F-838A-26F8BA9D8D19}" type="datetimeFigureOut">
               <a:rPr lang="en-US" smtClean="0"/>
-              <a:t>7/23/22</a:t>
+              <a:t>8/7/22</a:t>
             </a:fld>
             <a:endParaRPr lang="en-US"/>
           </a:p>
@@ -3027,7 +3027,7 @@
           <a:p>
             <a:fld id="{5DFED952-C32B-E94F-838A-26F8BA9D8D19}" type="datetimeFigureOut">
               <a:rPr lang="en-US" smtClean="0"/>
-              <a:t>7/23/22</a:t>
+              <a:t>8/7/22</a:t>
             </a:fld>
             <a:endParaRPr lang="en-US"/>
           </a:p>
@@ -3338,7 +3338,7 @@
           <a:p>
             <a:fld id="{5DFED952-C32B-E94F-838A-26F8BA9D8D19}" type="datetimeFigureOut">
               <a:rPr lang="en-US" smtClean="0"/>
-              <a:t>7/23/22</a:t>
+              <a:t>8/7/22</a:t>
             </a:fld>
             <a:endParaRPr lang="en-US"/>
           </a:p>
@@ -3626,7 +3626,7 @@
           <a:p>
             <a:fld id="{5DFED952-C32B-E94F-838A-26F8BA9D8D19}" type="datetimeFigureOut">
               <a:rPr lang="en-US" smtClean="0"/>
-              <a:t>7/23/22</a:t>
+              <a:t>8/7/22</a:t>
             </a:fld>
             <a:endParaRPr lang="en-US"/>
           </a:p>
@@ -3867,7 +3867,7 @@
           <a:p>
             <a:fld id="{5DFED952-C32B-E94F-838A-26F8BA9D8D19}" type="datetimeFigureOut">
               <a:rPr lang="en-US" smtClean="0"/>
-              <a:t>7/23/22</a:t>
+              <a:t>8/7/22</a:t>
             </a:fld>
             <a:endParaRPr lang="en-US"/>
           </a:p>
@@ -4780,7 +4780,7 @@
         <p:spPr>
           <a:xfrm>
             <a:off x="582322" y="1450696"/>
-            <a:ext cx="11120461" cy="4047262"/>
+            <a:ext cx="11120461" cy="4647426"/>
           </a:xfrm>
           <a:prstGeom prst="rect">
             <a:avLst/>
@@ -4793,15 +4793,21 @@
           </a:bodyPr>
           <a:lstStyle/>
           <a:p>
-            <a:pPr marL="457200" indent="-457200">
+            <a:pPr>
               <a:spcAft>
                 <a:spcPts val="600"/>
               </a:spcAft>
-              <a:buFont typeface="Arial" panose="020B0604020202020204" pitchFamily="34" charset="0"/>
-              <a:buChar char="•"/>
             </a:pPr>
             <a:r>
-              <a:rPr lang="en-US" sz="2200" b="1" dirty="0">
+              <a:rPr lang="en-US" sz="2000" b="1" u="sng" dirty="0">
+                <a:solidFill>
+                  <a:srgbClr val="0B4752"/>
+                </a:solidFill>
+              </a:rPr>
+              <a:t>Stakeholder</a:t>
+            </a:r>
+            <a:r>
+              <a:rPr lang="en-US" sz="2000" b="1" dirty="0">
                 <a:solidFill>
                   <a:schemeClr val="tx1">
                     <a:lumMod val="65000"/>
@@ -4809,19 +4815,48 @@
                   </a:schemeClr>
                 </a:solidFill>
               </a:rPr>
-              <a:t>In 2018 there were about 1.5 million people diagnosed with pneumonia in U.S emergency rooms.</a:t>
-            </a:r>
-          </a:p>
-          <a:p>
-            <a:pPr marL="457200" indent="-457200">
+              <a:t>: Board of directors of a national network of hospitals.</a:t>
+            </a:r>
+          </a:p>
+          <a:p>
+            <a:pPr>
               <a:spcAft>
                 <a:spcPts val="600"/>
               </a:spcAft>
-              <a:buFont typeface="Arial" panose="020B0604020202020204" pitchFamily="34" charset="0"/>
-              <a:buChar char="•"/>
             </a:pPr>
-            <a:r>
-              <a:rPr lang="en-US" sz="2200" b="1" dirty="0">
+            <a:endParaRPr lang="en-US" sz="2000" b="1" dirty="0">
+              <a:solidFill>
+                <a:schemeClr val="tx1">
+                  <a:lumMod val="65000"/>
+                  <a:lumOff val="35000"/>
+                </a:schemeClr>
+              </a:solidFill>
+            </a:endParaRPr>
+          </a:p>
+          <a:p>
+            <a:pPr>
+              <a:spcAft>
+                <a:spcPts val="600"/>
+              </a:spcAft>
+            </a:pPr>
+            <a:r>
+              <a:rPr lang="en-US" sz="2000" b="1" u="sng" dirty="0">
+                <a:solidFill>
+                  <a:srgbClr val="0B4752"/>
+                </a:solidFill>
+              </a:rPr>
+              <a:t>Business Problem</a:t>
+            </a:r>
+            <a:r>
+              <a:rPr lang="en-US" sz="2000" b="1" dirty="0">
+                <a:solidFill>
+                  <a:srgbClr val="0B4752"/>
+                </a:solidFill>
+              </a:rPr>
+              <a:t>: </a:t>
+            </a:r>
+            <a:r>
+              <a:rPr lang="en-US" sz="2000" b="1" dirty="0">
                 <a:solidFill>
                   <a:schemeClr val="tx1">
                     <a:lumMod val="65000"/>
@@ -4829,19 +4864,48 @@
                   </a:schemeClr>
                 </a:solidFill>
               </a:rPr>
-              <a:t>Around 40,000 people died of pneumonia in the U.S in that same year.</a:t>
-            </a:r>
-          </a:p>
-          <a:p>
-            <a:pPr marL="457200" indent="-457200">
+              <a:t>Covid has caused a surge in emergency room visits. The hospital is looking for a way to better prioritize patients by the severity of their ailments, particularly pulmonary diseases.</a:t>
+            </a:r>
+          </a:p>
+          <a:p>
+            <a:pPr>
               <a:spcAft>
                 <a:spcPts val="600"/>
               </a:spcAft>
-              <a:buFont typeface="Arial" panose="020B0604020202020204" pitchFamily="34" charset="0"/>
-              <a:buChar char="•"/>
             </a:pPr>
-            <a:r>
-              <a:rPr lang="en-US" sz="2200" b="1" dirty="0">
+            <a:endParaRPr lang="en-US" sz="2000" b="1" dirty="0">
+              <a:solidFill>
+                <a:schemeClr val="tx1">
+                  <a:lumMod val="65000"/>
+                  <a:lumOff val="35000"/>
+                </a:schemeClr>
+              </a:solidFill>
+            </a:endParaRPr>
+          </a:p>
+          <a:p>
+            <a:pPr>
+              <a:spcAft>
+                <a:spcPts val="600"/>
+              </a:spcAft>
+            </a:pPr>
+            <a:r>
+              <a:rPr lang="en-US" sz="2000" b="1" u="sng" dirty="0">
+                <a:solidFill>
+                  <a:srgbClr val="0B4752"/>
+                </a:solidFill>
+              </a:rPr>
+              <a:t>Proposed Solution</a:t>
+            </a:r>
+            <a:r>
+              <a:rPr lang="en-US" sz="2000" b="1" dirty="0">
+                <a:solidFill>
+                  <a:srgbClr val="0B4752"/>
+                </a:solidFill>
+              </a:rPr>
+              <a:t>: </a:t>
+            </a:r>
+            <a:r>
+              <a:rPr lang="en-US" sz="2000" b="1" dirty="0">
                 <a:solidFill>
                   <a:schemeClr val="tx1">
                     <a:lumMod val="65000"/>
@@ -4849,10 +4913,15 @@
                   </a:schemeClr>
                 </a:solidFill>
               </a:rPr>
-              <a:t>In 2020 pneumonia related deaths jumped to nearly 48,000, with the emergence of COVID-19 contributing to those numbers.</a:t>
-            </a:r>
-          </a:p>
-          <a:p>
+              <a:t>A machine learning model that could correctly identify patients with pneumonia, thereby helping prioritize who the doctor will see first.</a:t>
+            </a:r>
+          </a:p>
+          <a:p>
+            <a:pPr>
+              <a:spcAft>
+                <a:spcPts val="600"/>
+              </a:spcAft>
+            </a:pPr>
             <a:endParaRPr lang="en-US" sz="2200" b="1" dirty="0">
               <a:solidFill>
                 <a:schemeClr val="tx1">
@@ -4863,9 +4932,26 @@
             </a:endParaRPr>
           </a:p>
           <a:p>
-            <a:pPr algn="ctr"/>
-            <a:r>
-              <a:rPr lang="en-US" sz="2200" b="1" dirty="0">
+            <a:r>
+              <a:rPr lang="en-US" sz="2000" b="1" u="sng" dirty="0">
+                <a:solidFill>
+                  <a:srgbClr val="0B4752"/>
+                </a:solidFill>
+              </a:rPr>
+              <a:t>Solution Benefits</a:t>
+            </a:r>
+            <a:r>
+              <a:rPr lang="en-US" sz="2000" b="1" dirty="0">
+                <a:solidFill>
+                  <a:srgbClr val="0B4752"/>
+                </a:solidFill>
+              </a:rPr>
+              <a:t>:</a:t>
+            </a:r>
+          </a:p>
+          <a:p>
+            <a:r>
+              <a:rPr lang="en-US" sz="2000" b="1" dirty="0">
                 <a:solidFill>
                   <a:schemeClr val="tx1">
                     <a:lumMod val="65000"/>
@@ -4873,7 +4959,70 @@
                   </a:schemeClr>
                 </a:solidFill>
               </a:rPr>
-              <a:t>These facts underlie the need for a cost effective, non-invasive diagnostic tool that could correctly identify an x-ray image as one of someone with pneumonia. This could be used to prioritize which patients the doctor should see first, thereby helping save lives, and protect from more severe damage caused by the disease. An additional benefit is that the personnel needed to get these results, does not need to have a medical background. </a:t>
+              <a:t>1. Helps save lives, and protects from more severe damage caused by the disease.</a:t>
+            </a:r>
+            <a:br>
+              <a:rPr lang="en-US" sz="2000" b="1" dirty="0">
+                <a:solidFill>
+                  <a:schemeClr val="tx1">
+                    <a:lumMod val="65000"/>
+                    <a:lumOff val="35000"/>
+                  </a:schemeClr>
+                </a:solidFill>
+              </a:rPr>
+            </a:br>
+            <a:r>
+              <a:rPr lang="en-US" sz="2000" b="1" dirty="0">
+                <a:solidFill>
+                  <a:schemeClr val="tx1">
+                    <a:lumMod val="65000"/>
+                    <a:lumOff val="35000"/>
+                  </a:schemeClr>
+                </a:solidFill>
+              </a:rPr>
+              <a:t>2. non-invasive</a:t>
+            </a:r>
+            <a:br>
+              <a:rPr lang="en-US" sz="2000" b="1" dirty="0">
+                <a:solidFill>
+                  <a:schemeClr val="tx1">
+                    <a:lumMod val="65000"/>
+                    <a:lumOff val="35000"/>
+                  </a:schemeClr>
+                </a:solidFill>
+              </a:rPr>
+            </a:br>
+            <a:r>
+              <a:rPr lang="en-US" sz="2000" b="1" dirty="0">
+                <a:solidFill>
+                  <a:schemeClr val="tx1">
+                    <a:lumMod val="65000"/>
+                    <a:lumOff val="35000"/>
+                  </a:schemeClr>
+                </a:solidFill>
+              </a:rPr>
+              <a:t>3. cost-effective</a:t>
+            </a:r>
+            <a:br>
+              <a:rPr lang="en-US" sz="2000" b="1" dirty="0">
+                <a:solidFill>
+                  <a:schemeClr val="tx1">
+                    <a:lumMod val="65000"/>
+                    <a:lumOff val="35000"/>
+                  </a:schemeClr>
+                </a:solidFill>
+              </a:rPr>
+            </a:br>
+            <a:r>
+              <a:rPr lang="en-US" sz="2000" b="1" dirty="0">
+                <a:solidFill>
+                  <a:schemeClr val="tx1">
+                    <a:lumMod val="65000"/>
+                    <a:lumOff val="35000"/>
+                  </a:schemeClr>
+                </a:solidFill>
+              </a:rPr>
+              <a:t>4. no medical background necessary to run the model</a:t>
             </a:r>
           </a:p>
         </p:txBody>
@@ -4930,82 +5079,6 @@
           </a:p>
         </p:txBody>
       </p:sp>
-      <p:sp>
-        <p:nvSpPr>
-          <p:cNvPr id="3" name="TextBox 2">
-            <a:extLst>
-              <a:ext uri="{FF2B5EF4-FFF2-40B4-BE49-F238E27FC236}">
-                <a16:creationId xmlns:a16="http://schemas.microsoft.com/office/drawing/2014/main" id="{344AA815-BD7D-8C46-17B6-1D9E2B235B8D}"/>
-              </a:ext>
-            </a:extLst>
-          </p:cNvPr>
-          <p:cNvSpPr txBox="1"/>
-          <p:nvPr/>
-        </p:nvSpPr>
-        <p:spPr>
-          <a:xfrm>
-            <a:off x="141402" y="5843743"/>
-            <a:ext cx="5408853" cy="707886"/>
-          </a:xfrm>
-          <a:prstGeom prst="rect">
-            <a:avLst/>
-          </a:prstGeom>
-          <a:noFill/>
-        </p:spPr>
-        <p:txBody>
-          <a:bodyPr wrap="none" rtlCol="0">
-            <a:spAutoFit/>
-          </a:bodyPr>
-          <a:lstStyle/>
-          <a:p>
-            <a:r>
-              <a:rPr lang="en-US" sz="1000" b="1" dirty="0">
-                <a:solidFill>
-                  <a:schemeClr val="tx1">
-                    <a:lumMod val="65000"/>
-                    <a:lumOff val="35000"/>
-                  </a:schemeClr>
-                </a:solidFill>
-                <a:hlinkClick r:id="rId3">
-                  <a:extLst>
-                    <a:ext uri="{A12FA001-AC4F-418D-AE19-62706E023703}">
-                      <ahyp:hlinkClr xmlns:ahyp="http://schemas.microsoft.com/office/drawing/2018/hyperlinkcolor" val="tx"/>
-                    </a:ext>
-                  </a:extLst>
-                </a:hlinkClick>
-              </a:rPr>
-              <a:t>Data based on the following websites:</a:t>
-            </a:r>
-          </a:p>
-          <a:p>
-            <a:r>
-              <a:rPr lang="en-US" sz="1000" u="sng" dirty="0">
-                <a:hlinkClick r:id="rId3"/>
-              </a:rPr>
-              <a:t>https://www.cdc.gov/dotw/pneumonia/index.html</a:t>
-            </a:r>
-            <a:br>
-              <a:rPr lang="en-US" sz="1000" dirty="0"/>
-            </a:br>
-            <a:r>
-              <a:rPr lang="en-US" sz="1000" u="sng" dirty="0">
-                <a:hlinkClick r:id="rId4"/>
-              </a:rPr>
-              <a:t>https://www.thoracic.org/patients/patient-resources/resources/top-pneumonia-facts.pdf</a:t>
-            </a:r>
-            <a:endParaRPr lang="en-US" sz="1000" u="sng" dirty="0"/>
-          </a:p>
-          <a:p>
-            <a:r>
-              <a:rPr lang="en-US" sz="1000" dirty="0">
-                <a:hlinkClick r:id="rId5"/>
-              </a:rPr>
-              <a:t>https://wonder.cdc.gov/controller/datarequest/D76;jsessionid=F87D0D0AA50B13677E435B758B44</a:t>
-            </a:r>
-            <a:endParaRPr lang="en-US" sz="1000" dirty="0"/>
-          </a:p>
-        </p:txBody>
-      </p:sp>
     </p:spTree>
     <p:extLst>
       <p:ext uri="{BB962C8B-B14F-4D97-AF65-F5344CB8AC3E}">
@@ -5142,7 +5215,7 @@
         <p:spPr>
           <a:xfrm>
             <a:off x="464948" y="1627322"/>
-            <a:ext cx="10562095" cy="2492990"/>
+            <a:ext cx="10562095" cy="784830"/>
           </a:xfrm>
           <a:prstGeom prst="rect">
             <a:avLst/>
@@ -5163,7 +5236,7 @@
               <a:buChar char="•"/>
             </a:pPr>
             <a:r>
-              <a:rPr lang="en-US" sz="2800" b="1" dirty="0">
+              <a:rPr lang="en-US" sz="2000" b="1" dirty="0">
                 <a:solidFill>
                   <a:schemeClr val="tx1">
                     <a:lumMod val="65000"/>
@@ -5183,7 +5256,7 @@
               <a:buChar char="•"/>
             </a:pPr>
             <a:r>
-              <a:rPr lang="en-US" sz="2800" b="1" dirty="0">
+              <a:rPr lang="en-US" sz="2000" b="1" dirty="0">
                 <a:solidFill>
                   <a:schemeClr val="tx1">
                     <a:lumMod val="65000"/>
@@ -5194,137 +5267,96 @@
               <a:t>There are a total of 5856 images. </a:t>
             </a:r>
           </a:p>
-          <a:p>
-            <a:pPr marL="457200" indent="-457200">
-              <a:spcAft>
-                <a:spcPts val="600"/>
-              </a:spcAft>
-              <a:buFont typeface="Arial" panose="020B0604020202020204" pitchFamily="34" charset="0"/>
-              <a:buChar char="•"/>
-            </a:pPr>
-            <a:r>
-              <a:rPr lang="en-US" sz="2800" b="1" dirty="0">
-                <a:solidFill>
-                  <a:schemeClr val="tx1">
-                    <a:lumMod val="65000"/>
-                    <a:lumOff val="35000"/>
-                  </a:schemeClr>
-                </a:solidFill>
-              </a:rPr>
-              <a:t>This includes 1583 'normal' images, and 4273 'pneumonia' images.</a:t>
-            </a:r>
-          </a:p>
-          <a:p>
-            <a:pPr marL="457200" indent="-457200">
-              <a:spcAft>
-                <a:spcPts val="600"/>
-              </a:spcAft>
-              <a:buFont typeface="Arial" panose="020B0604020202020204" pitchFamily="34" charset="0"/>
-              <a:buChar char="•"/>
-            </a:pPr>
-            <a:r>
-              <a:rPr lang="en-US" sz="2800" b="1" dirty="0">
-                <a:solidFill>
-                  <a:schemeClr val="tx1">
-                    <a:lumMod val="65000"/>
-                    <a:lumOff val="35000"/>
-                  </a:schemeClr>
-                </a:solidFill>
-              </a:rPr>
-              <a:t>The ratio of 'pneumonia' images to 'normal' images is about 2.7 : 1.</a:t>
-            </a:r>
-          </a:p>
-          <a:p>
-            <a:endParaRPr lang="en-US" sz="2400" b="1" dirty="0">
-              <a:solidFill>
-                <a:schemeClr val="tx1">
-                  <a:lumMod val="65000"/>
-                  <a:lumOff val="35000"/>
-                </a:schemeClr>
-              </a:solidFill>
-            </a:endParaRPr>
-          </a:p>
-        </p:txBody>
-      </p:sp>
-      <p:grpSp>
-        <p:nvGrpSpPr>
-          <p:cNvPr id="18" name="Group 17">
-            <a:extLst>
-              <a:ext uri="{FF2B5EF4-FFF2-40B4-BE49-F238E27FC236}">
-                <a16:creationId xmlns:a16="http://schemas.microsoft.com/office/drawing/2014/main" id="{A556A58C-3901-6272-0743-A66B58465C95}"/>
-              </a:ext>
-            </a:extLst>
-          </p:cNvPr>
-          <p:cNvGrpSpPr/>
+        </p:txBody>
+      </p:sp>
+      <p:pic>
+        <p:nvPicPr>
+          <p:cNvPr id="15" name="Picture 14">
+            <a:extLst>
+              <a:ext uri="{FF2B5EF4-FFF2-40B4-BE49-F238E27FC236}">
+                <a16:creationId xmlns:a16="http://schemas.microsoft.com/office/drawing/2014/main" id="{9BEC8681-F932-17A1-52E2-D2FD487B2DE1}"/>
+              </a:ext>
+            </a:extLst>
+          </p:cNvPr>
+          <p:cNvPicPr>
+            <a:picLocks noChangeAspect="1"/>
+          </p:cNvPicPr>
           <p:nvPr/>
-        </p:nvGrpSpPr>
-        <p:grpSpPr>
+        </p:nvPicPr>
+        <p:blipFill>
+          <a:blip r:embed="rId3"/>
+          <a:srcRect/>
+          <a:stretch/>
+        </p:blipFill>
+        <p:spPr>
           <a:xfrm>
-            <a:off x="3599750" y="3954458"/>
-            <a:ext cx="4992901" cy="2445806"/>
-            <a:chOff x="1459631" y="3954458"/>
-            <a:chExt cx="4992901" cy="2445806"/>
+            <a:off x="8316744" y="422858"/>
+            <a:ext cx="2427433" cy="2648311"/>
           </a:xfrm>
-        </p:grpSpPr>
-        <p:pic>
-          <p:nvPicPr>
-            <p:cNvPr id="15" name="Picture 14">
-              <a:extLst>
-                <a:ext uri="{FF2B5EF4-FFF2-40B4-BE49-F238E27FC236}">
-                  <a16:creationId xmlns:a16="http://schemas.microsoft.com/office/drawing/2014/main" id="{9BEC8681-F932-17A1-52E2-D2FD487B2DE1}"/>
-                </a:ext>
-              </a:extLst>
-            </p:cNvPr>
-            <p:cNvPicPr>
-              <a:picLocks noChangeAspect="1"/>
-            </p:cNvPicPr>
-            <p:nvPr/>
-          </p:nvPicPr>
-          <p:blipFill>
-            <a:blip r:embed="rId3"/>
-            <a:srcRect/>
-            <a:stretch/>
-          </p:blipFill>
-          <p:spPr>
-            <a:xfrm>
-              <a:off x="1459631" y="3954458"/>
-              <a:ext cx="2243287" cy="2445806"/>
-            </a:xfrm>
-            <a:prstGeom prst="rect">
-              <a:avLst/>
-            </a:prstGeom>
-          </p:spPr>
-        </p:pic>
-        <p:pic>
-          <p:nvPicPr>
-            <p:cNvPr id="17" name="Picture 16">
-              <a:extLst>
-                <a:ext uri="{FF2B5EF4-FFF2-40B4-BE49-F238E27FC236}">
-                  <a16:creationId xmlns:a16="http://schemas.microsoft.com/office/drawing/2014/main" id="{516DF929-D7E5-3942-EE8D-744652AB518D}"/>
-                </a:ext>
-              </a:extLst>
-            </p:cNvPr>
-            <p:cNvPicPr>
-              <a:picLocks noChangeAspect="1"/>
-            </p:cNvPicPr>
-            <p:nvPr/>
-          </p:nvPicPr>
-          <p:blipFill>
-            <a:blip r:embed="rId4"/>
-            <a:srcRect/>
-            <a:stretch/>
-          </p:blipFill>
-          <p:spPr>
-            <a:xfrm>
-              <a:off x="4190999" y="3960217"/>
-              <a:ext cx="2261533" cy="2434288"/>
-            </a:xfrm>
-            <a:prstGeom prst="rect">
-              <a:avLst/>
-            </a:prstGeom>
-          </p:spPr>
-        </p:pic>
-      </p:grpSp>
+          <a:prstGeom prst="rect">
+            <a:avLst/>
+          </a:prstGeom>
+        </p:spPr>
+      </p:pic>
+      <p:pic>
+        <p:nvPicPr>
+          <p:cNvPr id="17" name="Picture 16">
+            <a:extLst>
+              <a:ext uri="{FF2B5EF4-FFF2-40B4-BE49-F238E27FC236}">
+                <a16:creationId xmlns:a16="http://schemas.microsoft.com/office/drawing/2014/main" id="{516DF929-D7E5-3942-EE8D-744652AB518D}"/>
+              </a:ext>
+            </a:extLst>
+          </p:cNvPr>
+          <p:cNvPicPr>
+            <a:picLocks noChangeAspect="1"/>
+          </p:cNvPicPr>
+          <p:nvPr/>
+        </p:nvPicPr>
+        <p:blipFill>
+          <a:blip r:embed="rId4"/>
+          <a:srcRect/>
+          <a:stretch/>
+        </p:blipFill>
+        <p:spPr>
+          <a:xfrm>
+            <a:off x="8316744" y="3634740"/>
+            <a:ext cx="2447177" cy="2775387"/>
+          </a:xfrm>
+          <a:prstGeom prst="rect">
+            <a:avLst/>
+          </a:prstGeom>
+        </p:spPr>
+      </p:pic>
+      <p:pic>
+        <p:nvPicPr>
+          <p:cNvPr id="2" name="Picture 1">
+            <a:extLst>
+              <a:ext uri="{FF2B5EF4-FFF2-40B4-BE49-F238E27FC236}">
+                <a16:creationId xmlns:a16="http://schemas.microsoft.com/office/drawing/2014/main" id="{D96F24C6-52F4-08D4-8C78-29A590C06E82}"/>
+              </a:ext>
+            </a:extLst>
+          </p:cNvPr>
+          <p:cNvPicPr>
+            <a:picLocks noChangeAspect="1"/>
+          </p:cNvPicPr>
+          <p:nvPr/>
+        </p:nvPicPr>
+        <p:blipFill>
+          <a:blip r:embed="rId5"/>
+          <a:stretch>
+            <a:fillRect/>
+          </a:stretch>
+        </p:blipFill>
+        <p:spPr>
+          <a:xfrm>
+            <a:off x="464949" y="2720187"/>
+            <a:ext cx="5501512" cy="3689940"/>
+          </a:xfrm>
+          <a:prstGeom prst="rect">
+            <a:avLst/>
+          </a:prstGeom>
+        </p:spPr>
+      </p:pic>
     </p:spTree>
     <p:extLst>
       <p:ext uri="{BB962C8B-B14F-4D97-AF65-F5344CB8AC3E}">
@@ -5446,12 +5478,113 @@
           </a:p>
         </p:txBody>
       </p:sp>
-      <p:sp>
-        <p:nvSpPr>
-          <p:cNvPr id="3" name="TextBox 2">
-            <a:extLst>
-              <a:ext uri="{FF2B5EF4-FFF2-40B4-BE49-F238E27FC236}">
-                <a16:creationId xmlns:a16="http://schemas.microsoft.com/office/drawing/2014/main" id="{076C11C5-98F7-9F1D-CCFD-4BE67A222F46}"/>
+      <p:grpSp>
+        <p:nvGrpSpPr>
+          <p:cNvPr id="4" name="Group 3">
+            <a:extLst>
+              <a:ext uri="{FF2B5EF4-FFF2-40B4-BE49-F238E27FC236}">
+                <a16:creationId xmlns:a16="http://schemas.microsoft.com/office/drawing/2014/main" id="{BCB80F43-A879-BF27-FAA0-A1643DCD1D2C}"/>
+              </a:ext>
+            </a:extLst>
+          </p:cNvPr>
+          <p:cNvGrpSpPr/>
+          <p:nvPr/>
+        </p:nvGrpSpPr>
+        <p:grpSpPr>
+          <a:xfrm>
+            <a:off x="4503420" y="1671360"/>
+            <a:ext cx="7056120" cy="4511263"/>
+            <a:chOff x="4755297" y="1671361"/>
+            <a:chExt cx="5455920" cy="4057870"/>
+          </a:xfrm>
+        </p:grpSpPr>
+        <p:pic>
+          <p:nvPicPr>
+            <p:cNvPr id="10" name="Picture 9">
+              <a:extLst>
+                <a:ext uri="{FF2B5EF4-FFF2-40B4-BE49-F238E27FC236}">
+                  <a16:creationId xmlns:a16="http://schemas.microsoft.com/office/drawing/2014/main" id="{44404F21-D932-BA42-34B3-FF1DFF87E83F}"/>
+                </a:ext>
+              </a:extLst>
+            </p:cNvPr>
+            <p:cNvPicPr>
+              <a:picLocks noChangeAspect="1"/>
+            </p:cNvPicPr>
+            <p:nvPr/>
+          </p:nvPicPr>
+          <p:blipFill>
+            <a:blip r:embed="rId3"/>
+            <a:stretch>
+              <a:fillRect/>
+            </a:stretch>
+          </p:blipFill>
+          <p:spPr>
+            <a:xfrm>
+              <a:off x="4755297" y="1671361"/>
+              <a:ext cx="5455920" cy="3317199"/>
+            </a:xfrm>
+            <a:prstGeom prst="rect">
+              <a:avLst/>
+            </a:prstGeom>
+          </p:spPr>
+        </p:pic>
+        <p:sp>
+          <p:nvSpPr>
+            <p:cNvPr id="2" name="TextBox 1">
+              <a:extLst>
+                <a:ext uri="{FF2B5EF4-FFF2-40B4-BE49-F238E27FC236}">
+                  <a16:creationId xmlns:a16="http://schemas.microsoft.com/office/drawing/2014/main" id="{1CE2B074-D352-96E6-AE8D-0D49F9C9DA0F}"/>
+                </a:ext>
+              </a:extLst>
+            </p:cNvPr>
+            <p:cNvSpPr txBox="1"/>
+            <p:nvPr/>
+          </p:nvSpPr>
+          <p:spPr>
+            <a:xfrm>
+              <a:off x="4921177" y="5082900"/>
+              <a:ext cx="5124160" cy="646331"/>
+            </a:xfrm>
+            <a:prstGeom prst="rect">
+              <a:avLst/>
+            </a:prstGeom>
+            <a:noFill/>
+          </p:spPr>
+          <p:txBody>
+            <a:bodyPr wrap="none" rtlCol="0">
+              <a:spAutoFit/>
+            </a:bodyPr>
+            <a:lstStyle/>
+            <a:p>
+              <a:pPr algn="ctr"/>
+              <a:r>
+                <a:rPr lang="en-US" sz="1200" dirty="0"/>
+                <a:t>The circles are the ‘artificial neurons’ or nodes. The input </a:t>
+              </a:r>
+            </a:p>
+            <a:p>
+              <a:pPr algn="ctr"/>
+              <a:r>
+                <a:rPr lang="en-US" sz="1200" dirty="0"/>
+                <a:t>layer receives the data. The output layer returns a result,</a:t>
+              </a:r>
+            </a:p>
+            <a:p>
+              <a:pPr algn="ctr"/>
+              <a:r>
+                <a:rPr lang="en-US" sz="1200" dirty="0"/>
+                <a:t>and the hidden layer(s) are any layers in between the input and output layers.   </a:t>
+              </a:r>
+            </a:p>
+          </p:txBody>
+        </p:sp>
+      </p:grpSp>
+      <p:sp>
+        <p:nvSpPr>
+          <p:cNvPr id="5" name="TextBox 4">
+            <a:extLst>
+              <a:ext uri="{FF2B5EF4-FFF2-40B4-BE49-F238E27FC236}">
+                <a16:creationId xmlns:a16="http://schemas.microsoft.com/office/drawing/2014/main" id="{CC076F0E-541A-00B0-BB6D-839D12944D1A}"/>
               </a:ext>
             </a:extLst>
           </p:cNvPr>
@@ -5460,8 +5593,8 @@
         </p:nvSpPr>
         <p:spPr>
           <a:xfrm>
-            <a:off x="350649" y="1671361"/>
-            <a:ext cx="5585331" cy="4555093"/>
+            <a:off x="445507" y="1671360"/>
+            <a:ext cx="3349253" cy="2308324"/>
           </a:xfrm>
           <a:prstGeom prst="rect">
             <a:avLst/>
@@ -5474,30 +5607,7 @@
           </a:bodyPr>
           <a:lstStyle/>
           <a:p>
-            <a:pPr marL="457200" indent="-457200">
-              <a:spcAft>
-                <a:spcPts val="600"/>
-              </a:spcAft>
-              <a:buFont typeface="Arial" panose="020B0604020202020204" pitchFamily="34" charset="0"/>
-              <a:buChar char="•"/>
-            </a:pPr>
-            <a:r>
-              <a:rPr lang="en-US" b="1" dirty="0">
-                <a:solidFill>
-                  <a:schemeClr val="tx1">
-                    <a:lumMod val="65000"/>
-                    <a:lumOff val="35000"/>
-                  </a:schemeClr>
-                </a:solidFill>
-              </a:rPr>
-              <a:t>The machine learning model we used is called a neural network. </a:t>
-            </a:r>
-          </a:p>
-          <a:p>
-            <a:pPr marL="457200" indent="-457200">
-              <a:spcAft>
-                <a:spcPts val="600"/>
-              </a:spcAft>
+            <a:pPr marL="285750" indent="-285750">
               <a:buFont typeface="Arial" panose="020B0604020202020204" pitchFamily="34" charset="0"/>
               <a:buChar char="•"/>
             </a:pPr>
@@ -5514,143 +5624,33 @@
             </a:r>
           </a:p>
           <a:p>
-            <a:pPr marL="457200" indent="-457200">
-              <a:spcAft>
-                <a:spcPts val="600"/>
-              </a:spcAft>
+            <a:endParaRPr lang="en-US" dirty="0"/>
+          </a:p>
+          <a:p>
+            <a:pPr marL="285750" indent="-285750">
               <a:buFont typeface="Arial" panose="020B0604020202020204" pitchFamily="34" charset="0"/>
               <a:buChar char="•"/>
             </a:pPr>
             <a:r>
-              <a:rPr lang="en-US" b="1" dirty="0">
-                <a:solidFill>
-                  <a:schemeClr val="tx1">
-                    <a:lumMod val="65000"/>
-                    <a:lumOff val="35000"/>
-                  </a:schemeClr>
-                </a:solidFill>
-              </a:rPr>
-              <a:t>Just as the human brain is made up of neurons that form an interconnected network and send electrical signals to each other to help humans process information, a neural network is made up of ‘artificial neurons’ called nodes that similarly share information with each other to help the network process the data. </a:t>
-            </a:r>
-          </a:p>
-          <a:p>
-            <a:pPr marL="457200" indent="-457200">
-              <a:spcAft>
-                <a:spcPts val="600"/>
-              </a:spcAft>
+              <a:rPr lang="en-US" dirty="0"/>
+              <a:t>The data moves from left to right</a:t>
+            </a:r>
+          </a:p>
+          <a:p>
+            <a:pPr marL="285750" indent="-285750">
               <a:buFont typeface="Arial" panose="020B0604020202020204" pitchFamily="34" charset="0"/>
               <a:buChar char="•"/>
             </a:pPr>
-            <a:r>
-              <a:rPr lang="en-US" b="1" dirty="0">
-                <a:solidFill>
-                  <a:schemeClr val="tx1">
-                    <a:lumMod val="65000"/>
-                    <a:lumOff val="35000"/>
-                  </a:schemeClr>
-                </a:solidFill>
-              </a:rPr>
-              <a:t>The layers are made up of columns of nodes, and the data moves from left to right. </a:t>
-            </a:r>
-          </a:p>
-          <a:p>
-            <a:pPr marL="457200" indent="-457200">
-              <a:spcAft>
-                <a:spcPts val="600"/>
-              </a:spcAft>
+            <a:endParaRPr lang="en-US" dirty="0"/>
+          </a:p>
+          <a:p>
+            <a:pPr marL="285750" indent="-285750">
               <a:buFont typeface="Arial" panose="020B0604020202020204" pitchFamily="34" charset="0"/>
               <a:buChar char="•"/>
             </a:pPr>
             <a:r>
-              <a:rPr lang="en-US" b="1" dirty="0">
-                <a:solidFill>
-                  <a:schemeClr val="tx1">
-                    <a:lumMod val="65000"/>
-                    <a:lumOff val="35000"/>
-                  </a:schemeClr>
-                </a:solidFill>
-              </a:rPr>
-              <a:t>The networks are very scalable. The number of layers, as well as the number of nodes per layer can be modified.</a:t>
-            </a:r>
-          </a:p>
-        </p:txBody>
-      </p:sp>
-      <p:pic>
-        <p:nvPicPr>
-          <p:cNvPr id="10" name="Picture 9">
-            <a:extLst>
-              <a:ext uri="{FF2B5EF4-FFF2-40B4-BE49-F238E27FC236}">
-                <a16:creationId xmlns:a16="http://schemas.microsoft.com/office/drawing/2014/main" id="{44404F21-D932-BA42-34B3-FF1DFF87E83F}"/>
-              </a:ext>
-            </a:extLst>
-          </p:cNvPr>
-          <p:cNvPicPr>
-            <a:picLocks noChangeAspect="1"/>
-          </p:cNvPicPr>
-          <p:nvPr/>
-        </p:nvPicPr>
-        <p:blipFill>
-          <a:blip r:embed="rId3"/>
-          <a:stretch>
-            <a:fillRect/>
-          </a:stretch>
-        </p:blipFill>
-        <p:spPr>
-          <a:xfrm>
-            <a:off x="6042660" y="1671361"/>
-            <a:ext cx="5455920" cy="3317199"/>
-          </a:xfrm>
-          <a:prstGeom prst="rect">
-            <a:avLst/>
-          </a:prstGeom>
-        </p:spPr>
-      </p:pic>
-      <p:sp>
-        <p:nvSpPr>
-          <p:cNvPr id="2" name="TextBox 1">
-            <a:extLst>
-              <a:ext uri="{FF2B5EF4-FFF2-40B4-BE49-F238E27FC236}">
-                <a16:creationId xmlns:a16="http://schemas.microsoft.com/office/drawing/2014/main" id="{1CE2B074-D352-96E6-AE8D-0D49F9C9DA0F}"/>
-              </a:ext>
-            </a:extLst>
-          </p:cNvPr>
-          <p:cNvSpPr txBox="1"/>
-          <p:nvPr/>
-        </p:nvSpPr>
-        <p:spPr>
-          <a:xfrm>
-            <a:off x="6474314" y="5082900"/>
-            <a:ext cx="5124160" cy="646331"/>
-          </a:xfrm>
-          <a:prstGeom prst="rect">
-            <a:avLst/>
-          </a:prstGeom>
-          <a:noFill/>
-        </p:spPr>
-        <p:txBody>
-          <a:bodyPr wrap="none" rtlCol="0">
-            <a:spAutoFit/>
-          </a:bodyPr>
-          <a:lstStyle/>
-          <a:p>
-            <a:pPr algn="ctr"/>
-            <a:r>
-              <a:rPr lang="en-US" sz="1200" dirty="0"/>
-              <a:t>The circles are the ‘artificial neurons’ or nodes. The input </a:t>
-            </a:r>
-          </a:p>
-          <a:p>
-            <a:pPr algn="ctr"/>
-            <a:r>
-              <a:rPr lang="en-US" sz="1200" dirty="0"/>
-              <a:t>layer receives the data. The output layer returns a result,</a:t>
-            </a:r>
-          </a:p>
-          <a:p>
-            <a:pPr algn="ctr"/>
-            <a:r>
-              <a:rPr lang="en-US" sz="1200" dirty="0"/>
-              <a:t>and the hidden layer(s) are any layers in between the input and output layers.   </a:t>
+              <a:rPr lang="en-US" dirty="0"/>
+              <a:t>Neural networks are very scalable</a:t>
             </a:r>
           </a:p>
         </p:txBody>
@@ -5830,7 +5830,7 @@
         </p:blipFill>
         <p:spPr>
           <a:xfrm>
-            <a:off x="6972300" y="1052967"/>
+            <a:off x="6874978" y="1760220"/>
             <a:ext cx="4509302" cy="4412087"/>
           </a:xfrm>
           <a:prstGeom prst="rect">
@@ -5853,7 +5853,7 @@
         <p:spPr>
           <a:xfrm>
             <a:off x="807720" y="1760220"/>
-            <a:ext cx="5114456" cy="4447371"/>
+            <a:ext cx="5114456" cy="3939540"/>
           </a:xfrm>
           <a:prstGeom prst="rect">
             <a:avLst/>
@@ -5874,7 +5874,7 @@
               <a:buChar char="•"/>
             </a:pPr>
             <a:r>
-              <a:rPr lang="en-US" b="1" dirty="0">
+              <a:rPr lang="en-US" sz="2000" b="1" dirty="0">
                 <a:solidFill>
                   <a:schemeClr val="tx1">
                     <a:lumMod val="65000"/>
@@ -5885,7 +5885,23 @@
               <a:t> </a:t>
             </a:r>
             <a:r>
-              <a:rPr lang="en-US" sz="1600" b="1" dirty="0">
+              <a:rPr lang="en-US" sz="2000" b="1" u="sng" dirty="0">
+                <a:solidFill>
+                  <a:srgbClr val="0B4752"/>
+                </a:solidFill>
+              </a:rPr>
+              <a:t>Primary Goal:</a:t>
+            </a:r>
+            <a:r>
+              <a:rPr lang="en-US" sz="2000" b="1" dirty="0">
+                <a:solidFill>
+                  <a:srgbClr val="0B4752"/>
+                </a:solidFill>
+              </a:rPr>
+              <a:t> </a:t>
+            </a:r>
+            <a:r>
+              <a:rPr lang="en-US" sz="2000" b="1" dirty="0">
                 <a:solidFill>
                   <a:schemeClr val="tx1">
                     <a:lumMod val="65000"/>
@@ -5893,7 +5909,7 @@
                   </a:schemeClr>
                 </a:solidFill>
               </a:rPr>
-              <a:t>Given that our primary goal for this model was to successfully identify all the patients who had pneumonia, the metric we used was recall.</a:t>
+              <a:t>model to identify all the patients who had pneumonia.</a:t>
             </a:r>
           </a:p>
           <a:p>
@@ -5904,8 +5920,38 @@
               <a:buFont typeface="Arial" panose="020B0604020202020204" pitchFamily="34" charset="0"/>
               <a:buChar char="•"/>
             </a:pPr>
-            <a:r>
-              <a:rPr lang="en-US" sz="1600" b="1" dirty="0">
+            <a:endParaRPr lang="en-US" sz="2000" b="1" u="sng" dirty="0">
+              <a:solidFill>
+                <a:srgbClr val="0B4752"/>
+              </a:solidFill>
+            </a:endParaRPr>
+          </a:p>
+          <a:p>
+            <a:pPr marL="457200" indent="-457200">
+              <a:spcAft>
+                <a:spcPts val="600"/>
+              </a:spcAft>
+              <a:buFont typeface="Arial" panose="020B0604020202020204" pitchFamily="34" charset="0"/>
+              <a:buChar char="•"/>
+            </a:pPr>
+            <a:r>
+              <a:rPr lang="en-US" sz="2000" b="1" u="sng" dirty="0">
+                <a:solidFill>
+                  <a:srgbClr val="0B4752"/>
+                </a:solidFill>
+              </a:rPr>
+              <a:t>Metric Used and Performance</a:t>
+            </a:r>
+            <a:r>
+              <a:rPr lang="en-US" sz="2000" b="1" dirty="0">
+                <a:solidFill>
+                  <a:srgbClr val="0B4752"/>
+                </a:solidFill>
+              </a:rPr>
+              <a:t>:  </a:t>
+            </a:r>
+            <a:r>
+              <a:rPr lang="en-US" sz="2000" b="1" dirty="0">
                 <a:solidFill>
                   <a:schemeClr val="tx1">
                     <a:lumMod val="65000"/>
@@ -5913,7 +5959,7 @@
                   </a:schemeClr>
                 </a:solidFill>
               </a:rPr>
-              <a:t>The model performed very well, identifying 410 out of a total of 428 patients with pneumonia, which gives us a recall score of nearly 96%.</a:t>
+              <a:t>Recall score of nearly 96%</a:t>
             </a:r>
           </a:p>
           <a:p>
@@ -5924,8 +5970,33 @@
               <a:buFont typeface="Arial" panose="020B0604020202020204" pitchFamily="34" charset="0"/>
               <a:buChar char="•"/>
             </a:pPr>
-            <a:r>
-              <a:rPr lang="en-US" sz="1600" b="1" dirty="0">
+            <a:endParaRPr lang="en-US" sz="2000" b="1" dirty="0">
+              <a:solidFill>
+                <a:schemeClr val="tx1">
+                  <a:lumMod val="65000"/>
+                  <a:lumOff val="35000"/>
+                </a:schemeClr>
+              </a:solidFill>
+            </a:endParaRPr>
+          </a:p>
+          <a:p>
+            <a:pPr marL="457200" indent="-457200">
+              <a:spcAft>
+                <a:spcPts val="600"/>
+              </a:spcAft>
+              <a:buFont typeface="Arial" panose="020B0604020202020204" pitchFamily="34" charset="0"/>
+              <a:buChar char="•"/>
+            </a:pPr>
+            <a:r>
+              <a:rPr lang="en-US" sz="2000" b="1" u="sng" dirty="0">
+                <a:solidFill>
+                  <a:srgbClr val="0B4752"/>
+                </a:solidFill>
+              </a:rPr>
+              <a:t>Secondary Goal: </a:t>
+            </a:r>
+            <a:r>
+              <a:rPr lang="en-US" sz="2000" b="1" dirty="0">
                 <a:solidFill>
                   <a:schemeClr val="tx1">
                     <a:lumMod val="65000"/>
@@ -5933,7 +6004,7 @@
                   </a:schemeClr>
                 </a:solidFill>
               </a:rPr>
-              <a:t>In addition to that, the model performed very well with regards to accuracy.</a:t>
+              <a:t>model to correctly identify all the images.</a:t>
             </a:r>
           </a:p>
           <a:p>
@@ -5944,8 +6015,38 @@
               <a:buFont typeface="Arial" panose="020B0604020202020204" pitchFamily="34" charset="0"/>
               <a:buChar char="•"/>
             </a:pPr>
-            <a:r>
-              <a:rPr lang="en-US" sz="1600" b="1" dirty="0">
+            <a:endParaRPr lang="en-US" sz="2000" b="1" u="sng" dirty="0">
+              <a:solidFill>
+                <a:srgbClr val="0B4752"/>
+              </a:solidFill>
+            </a:endParaRPr>
+          </a:p>
+          <a:p>
+            <a:pPr marL="457200" indent="-457200">
+              <a:spcAft>
+                <a:spcPts val="600"/>
+              </a:spcAft>
+              <a:buFont typeface="Arial" panose="020B0604020202020204" pitchFamily="34" charset="0"/>
+              <a:buChar char="•"/>
+            </a:pPr>
+            <a:r>
+              <a:rPr lang="en-US" sz="2000" b="1" u="sng" dirty="0">
+                <a:solidFill>
+                  <a:srgbClr val="0B4752"/>
+                </a:solidFill>
+              </a:rPr>
+              <a:t>Metric Used and Performance:</a:t>
+            </a:r>
+            <a:r>
+              <a:rPr lang="en-US" sz="2000" b="1" dirty="0">
+                <a:solidFill>
+                  <a:srgbClr val="0B4752"/>
+                </a:solidFill>
+              </a:rPr>
+              <a:t> </a:t>
+            </a:r>
+            <a:r>
+              <a:rPr lang="en-US" sz="2000" b="1" dirty="0">
                 <a:solidFill>
                   <a:schemeClr val="tx1">
                     <a:lumMod val="65000"/>
@@ -5953,48 +6054,13 @@
                   </a:schemeClr>
                 </a:solidFill>
               </a:rPr>
-              <a:t>Accuracy is calculated by dividing the number of correctly identified images , by the total number of images.</a:t>
-            </a:r>
-          </a:p>
-          <a:p>
-            <a:pPr marL="457200" indent="-457200">
-              <a:spcAft>
-                <a:spcPts val="600"/>
-              </a:spcAft>
-              <a:buFont typeface="Arial" panose="020B0604020202020204" pitchFamily="34" charset="0"/>
-              <a:buChar char="•"/>
-            </a:pPr>
-            <a:r>
-              <a:rPr lang="en-US" sz="1600" b="1" dirty="0">
-                <a:solidFill>
-                  <a:schemeClr val="tx1">
-                    <a:lumMod val="65000"/>
-                    <a:lumOff val="35000"/>
-                  </a:schemeClr>
-                </a:solidFill>
-              </a:rPr>
-              <a:t>With 559 out  of 586 total images, correctly identified, we have an accuracy score of over 95%. </a:t>
-            </a:r>
-          </a:p>
-          <a:p>
-            <a:pPr marL="457200" indent="-457200">
-              <a:spcAft>
-                <a:spcPts val="600"/>
-              </a:spcAft>
-              <a:buFont typeface="Arial" panose="020B0604020202020204" pitchFamily="34" charset="0"/>
-              <a:buChar char="•"/>
-            </a:pPr>
-            <a:r>
-              <a:rPr lang="en-US" sz="1600" b="1" dirty="0">
-                <a:solidFill>
-                  <a:schemeClr val="tx1">
-                    <a:lumMod val="65000"/>
-                    <a:lumOff val="35000"/>
-                  </a:schemeClr>
-                </a:solidFill>
-              </a:rPr>
-              <a:t>To recap: The model was able to successfully identify nearly 96% of patients with pneumonia, and was able to correctly identify over 95% of all images.</a:t>
-            </a:r>
+              <a:t>Accuracy score of over 95%. </a:t>
+            </a:r>
+            <a:endParaRPr lang="en-US" sz="2000" b="1" u="sng" dirty="0">
+              <a:solidFill>
+                <a:srgbClr val="0B4752"/>
+              </a:solidFill>
+            </a:endParaRPr>
           </a:p>
         </p:txBody>
       </p:sp>
